--- a/Hybrid Cache_NetConf.pptx
+++ b/Hybrid Cache_NetConf.pptx
@@ -5,7 +5,7 @@
     <p:sldMasterId id="2147483648" r:id="rId1"/>
   </p:sldMasterIdLst>
   <p:notesMasterIdLst>
-    <p:notesMasterId r:id="rId9"/>
+    <p:notesMasterId r:id="rId10"/>
   </p:notesMasterIdLst>
   <p:sldIdLst>
     <p:sldId id="256" r:id="rId2"/>
@@ -14,7 +14,8 @@
     <p:sldId id="260" r:id="rId5"/>
     <p:sldId id="261" r:id="rId6"/>
     <p:sldId id="262" r:id="rId7"/>
-    <p:sldId id="258" r:id="rId8"/>
+    <p:sldId id="263" r:id="rId8"/>
+    <p:sldId id="258" r:id="rId9"/>
   </p:sldIdLst>
   <p:sldSz cx="12192000" cy="6858000"/>
   <p:notesSz cx="6858000" cy="9144000"/>
@@ -214,7 +215,7 @@
           <a:p>
             <a:fld id="{838ABD0F-EF93-414A-9E8A-03CE345B6327}" type="datetimeFigureOut">
               <a:rPr lang="es-ES" smtClean="0"/>
-              <a:t>06/02/2025</a:t>
+              <a:t>07/02/2025</a:t>
             </a:fld>
             <a:endParaRPr lang="es-ES"/>
           </a:p>
@@ -1081,6 +1082,114 @@
 </p:notes>
 </file>
 
+<file path=ppt/notesSlides/notesSlide7.xml><?xml version="1.0" encoding="utf-8"?>
+<p:notes xmlns:a="http://schemas.openxmlformats.org/drawingml/2006/main" xmlns:r="http://schemas.openxmlformats.org/officeDocument/2006/relationships" xmlns:p="http://schemas.openxmlformats.org/presentationml/2006/main">
+  <p:cSld>
+    <p:spTree>
+      <p:nvGrpSpPr>
+        <p:cNvPr id="1" name="">
+          <a:extLst>
+            <a:ext uri="{FF2B5EF4-FFF2-40B4-BE49-F238E27FC236}">
+              <a16:creationId xmlns:a16="http://schemas.microsoft.com/office/drawing/2014/main" id="{93167078-3CDE-DDEC-77A9-88E87F98E79F}"/>
+            </a:ext>
+          </a:extLst>
+        </p:cNvPr>
+        <p:cNvGrpSpPr/>
+        <p:nvPr/>
+      </p:nvGrpSpPr>
+      <p:grpSpPr>
+        <a:xfrm>
+          <a:off x="0" y="0"/>
+          <a:ext cx="0" cy="0"/>
+          <a:chOff x="0" y="0"/>
+          <a:chExt cx="0" cy="0"/>
+        </a:xfrm>
+      </p:grpSpPr>
+      <p:sp>
+        <p:nvSpPr>
+          <p:cNvPr id="2" name="Marcador de imagen de diapositiva 1">
+            <a:extLst>
+              <a:ext uri="{FF2B5EF4-FFF2-40B4-BE49-F238E27FC236}">
+                <a16:creationId xmlns:a16="http://schemas.microsoft.com/office/drawing/2014/main" id="{DB46BB46-365F-B409-A2CE-98E58DDDF54F}"/>
+              </a:ext>
+            </a:extLst>
+          </p:cNvPr>
+          <p:cNvSpPr>
+            <a:spLocks noGrp="1" noRot="1" noChangeAspect="1"/>
+          </p:cNvSpPr>
+          <p:nvPr>
+            <p:ph type="sldImg"/>
+          </p:nvPr>
+        </p:nvSpPr>
+        <p:spPr/>
+      </p:sp>
+      <p:sp>
+        <p:nvSpPr>
+          <p:cNvPr id="3" name="Marcador de notas 2">
+            <a:extLst>
+              <a:ext uri="{FF2B5EF4-FFF2-40B4-BE49-F238E27FC236}">
+                <a16:creationId xmlns:a16="http://schemas.microsoft.com/office/drawing/2014/main" id="{81193ED7-CE6B-F874-36D1-488A8E92D020}"/>
+              </a:ext>
+            </a:extLst>
+          </p:cNvPr>
+          <p:cNvSpPr>
+            <a:spLocks noGrp="1"/>
+          </p:cNvSpPr>
+          <p:nvPr>
+            <p:ph type="body" idx="1"/>
+          </p:nvPr>
+        </p:nvSpPr>
+        <p:spPr/>
+        <p:txBody>
+          <a:bodyPr/>
+          <a:lstStyle/>
+          <a:p>
+            <a:endParaRPr lang="es-ES" dirty="0"/>
+          </a:p>
+        </p:txBody>
+      </p:sp>
+      <p:sp>
+        <p:nvSpPr>
+          <p:cNvPr id="4" name="Marcador de número de diapositiva 3">
+            <a:extLst>
+              <a:ext uri="{FF2B5EF4-FFF2-40B4-BE49-F238E27FC236}">
+                <a16:creationId xmlns:a16="http://schemas.microsoft.com/office/drawing/2014/main" id="{FA74D782-D623-EC2E-482C-6A83FD910CEB}"/>
+              </a:ext>
+            </a:extLst>
+          </p:cNvPr>
+          <p:cNvSpPr>
+            <a:spLocks noGrp="1"/>
+          </p:cNvSpPr>
+          <p:nvPr>
+            <p:ph type="sldNum" sz="quarter" idx="5"/>
+          </p:nvPr>
+        </p:nvSpPr>
+        <p:spPr/>
+        <p:txBody>
+          <a:bodyPr/>
+          <a:lstStyle/>
+          <a:p>
+            <a:fld id="{170053B3-DD67-41D4-AF63-38656DA167A7}" type="slidenum">
+              <a:rPr lang="es-ES" smtClean="0"/>
+              <a:t>7</a:t>
+            </a:fld>
+            <a:endParaRPr lang="es-ES"/>
+          </a:p>
+        </p:txBody>
+      </p:sp>
+    </p:spTree>
+    <p:extLst>
+      <p:ext uri="{BB962C8B-B14F-4D97-AF65-F5344CB8AC3E}">
+        <p14:creationId xmlns:p14="http://schemas.microsoft.com/office/powerpoint/2010/main" val="2361504805"/>
+      </p:ext>
+    </p:extLst>
+  </p:cSld>
+  <p:clrMapOvr>
+    <a:masterClrMapping/>
+  </p:clrMapOvr>
+</p:notes>
+</file>
+
 <file path=ppt/slideLayouts/slideLayout1.xml><?xml version="1.0" encoding="utf-8"?>
 <p:sldLayout xmlns:a="http://schemas.openxmlformats.org/drawingml/2006/main" xmlns:r="http://schemas.openxmlformats.org/officeDocument/2006/relationships" xmlns:p="http://schemas.openxmlformats.org/presentationml/2006/main" type="title" preserve="1">
   <p:cSld name="Diapositiva de título">
@@ -1228,7 +1337,7 @@
           <a:p>
             <a:fld id="{78A17AE9-8259-45ED-8059-432DC497A67A}" type="datetimeFigureOut">
               <a:rPr lang="es-ES" smtClean="0"/>
-              <a:t>06/02/2025</a:t>
+              <a:t>07/02/2025</a:t>
             </a:fld>
             <a:endParaRPr lang="es-ES"/>
           </a:p>
@@ -1426,7 +1535,7 @@
           <a:p>
             <a:fld id="{78A17AE9-8259-45ED-8059-432DC497A67A}" type="datetimeFigureOut">
               <a:rPr lang="es-ES" smtClean="0"/>
-              <a:t>06/02/2025</a:t>
+              <a:t>07/02/2025</a:t>
             </a:fld>
             <a:endParaRPr lang="es-ES"/>
           </a:p>
@@ -1634,7 +1743,7 @@
           <a:p>
             <a:fld id="{78A17AE9-8259-45ED-8059-432DC497A67A}" type="datetimeFigureOut">
               <a:rPr lang="es-ES" smtClean="0"/>
-              <a:t>06/02/2025</a:t>
+              <a:t>07/02/2025</a:t>
             </a:fld>
             <a:endParaRPr lang="es-ES"/>
           </a:p>
@@ -1832,7 +1941,7 @@
           <a:p>
             <a:fld id="{78A17AE9-8259-45ED-8059-432DC497A67A}" type="datetimeFigureOut">
               <a:rPr lang="es-ES" smtClean="0"/>
-              <a:t>06/02/2025</a:t>
+              <a:t>07/02/2025</a:t>
             </a:fld>
             <a:endParaRPr lang="es-ES"/>
           </a:p>
@@ -2107,7 +2216,7 @@
           <a:p>
             <a:fld id="{78A17AE9-8259-45ED-8059-432DC497A67A}" type="datetimeFigureOut">
               <a:rPr lang="es-ES" smtClean="0"/>
-              <a:t>06/02/2025</a:t>
+              <a:t>07/02/2025</a:t>
             </a:fld>
             <a:endParaRPr lang="es-ES"/>
           </a:p>
@@ -2372,7 +2481,7 @@
           <a:p>
             <a:fld id="{78A17AE9-8259-45ED-8059-432DC497A67A}" type="datetimeFigureOut">
               <a:rPr lang="es-ES" smtClean="0"/>
-              <a:t>06/02/2025</a:t>
+              <a:t>07/02/2025</a:t>
             </a:fld>
             <a:endParaRPr lang="es-ES"/>
           </a:p>
@@ -2784,7 +2893,7 @@
           <a:p>
             <a:fld id="{78A17AE9-8259-45ED-8059-432DC497A67A}" type="datetimeFigureOut">
               <a:rPr lang="es-ES" smtClean="0"/>
-              <a:t>06/02/2025</a:t>
+              <a:t>07/02/2025</a:t>
             </a:fld>
             <a:endParaRPr lang="es-ES"/>
           </a:p>
@@ -2925,7 +3034,7 @@
           <a:p>
             <a:fld id="{78A17AE9-8259-45ED-8059-432DC497A67A}" type="datetimeFigureOut">
               <a:rPr lang="es-ES" smtClean="0"/>
-              <a:t>06/02/2025</a:t>
+              <a:t>07/02/2025</a:t>
             </a:fld>
             <a:endParaRPr lang="es-ES"/>
           </a:p>
@@ -3038,7 +3147,7 @@
           <a:p>
             <a:fld id="{78A17AE9-8259-45ED-8059-432DC497A67A}" type="datetimeFigureOut">
               <a:rPr lang="es-ES" smtClean="0"/>
-              <a:t>06/02/2025</a:t>
+              <a:t>07/02/2025</a:t>
             </a:fld>
             <a:endParaRPr lang="es-ES"/>
           </a:p>
@@ -3349,7 +3458,7 @@
           <a:p>
             <a:fld id="{78A17AE9-8259-45ED-8059-432DC497A67A}" type="datetimeFigureOut">
               <a:rPr lang="es-ES" smtClean="0"/>
-              <a:t>06/02/2025</a:t>
+              <a:t>07/02/2025</a:t>
             </a:fld>
             <a:endParaRPr lang="es-ES"/>
           </a:p>
@@ -3637,7 +3746,7 @@
           <a:p>
             <a:fld id="{78A17AE9-8259-45ED-8059-432DC497A67A}" type="datetimeFigureOut">
               <a:rPr lang="es-ES" smtClean="0"/>
-              <a:t>06/02/2025</a:t>
+              <a:t>07/02/2025</a:t>
             </a:fld>
             <a:endParaRPr lang="es-ES"/>
           </a:p>
@@ -3878,7 +3987,7 @@
           <a:p>
             <a:fld id="{78A17AE9-8259-45ED-8059-432DC497A67A}" type="datetimeFigureOut">
               <a:rPr lang="es-ES" smtClean="0"/>
-              <a:t>06/02/2025</a:t>
+              <a:t>07/02/2025</a:t>
             </a:fld>
             <a:endParaRPr lang="es-ES"/>
           </a:p>
@@ -8961,6 +9070,199 @@
 <file path=ppt/slides/slide7.xml><?xml version="1.0" encoding="utf-8"?>
 <p:sld xmlns:a="http://schemas.openxmlformats.org/drawingml/2006/main" xmlns:r="http://schemas.openxmlformats.org/officeDocument/2006/relationships" xmlns:p="http://schemas.openxmlformats.org/presentationml/2006/main">
   <p:cSld>
+    <p:bg>
+      <p:bgPr>
+        <a:solidFill>
+          <a:srgbClr val="190449"/>
+        </a:solidFill>
+        <a:effectLst/>
+      </p:bgPr>
+    </p:bg>
+    <p:spTree>
+      <p:nvGrpSpPr>
+        <p:cNvPr id="1" name="">
+          <a:extLst>
+            <a:ext uri="{FF2B5EF4-FFF2-40B4-BE49-F238E27FC236}">
+              <a16:creationId xmlns:a16="http://schemas.microsoft.com/office/drawing/2014/main" id="{4A8A1BAA-9889-31EE-9261-A47783035FC7}"/>
+            </a:ext>
+          </a:extLst>
+        </p:cNvPr>
+        <p:cNvGrpSpPr/>
+        <p:nvPr/>
+      </p:nvGrpSpPr>
+      <p:grpSpPr>
+        <a:xfrm>
+          <a:off x="0" y="0"/>
+          <a:ext cx="0" cy="0"/>
+          <a:chOff x="0" y="0"/>
+          <a:chExt cx="0" cy="0"/>
+        </a:xfrm>
+      </p:grpSpPr>
+      <p:sp>
+        <p:nvSpPr>
+          <p:cNvPr id="6" name="CuadroTexto 5">
+            <a:extLst>
+              <a:ext uri="{FF2B5EF4-FFF2-40B4-BE49-F238E27FC236}">
+                <a16:creationId xmlns:a16="http://schemas.microsoft.com/office/drawing/2014/main" id="{5CE551F1-7BD2-8072-416F-89FC831D6AE0}"/>
+              </a:ext>
+            </a:extLst>
+          </p:cNvPr>
+          <p:cNvSpPr txBox="1"/>
+          <p:nvPr/>
+        </p:nvSpPr>
+        <p:spPr>
+          <a:xfrm>
+            <a:off x="1013837" y="599447"/>
+            <a:ext cx="9054088" cy="769441"/>
+          </a:xfrm>
+          <a:prstGeom prst="rect">
+            <a:avLst/>
+          </a:prstGeom>
+          <a:noFill/>
+        </p:spPr>
+        <p:txBody>
+          <a:bodyPr wrap="square" rtlCol="0">
+            <a:spAutoFit/>
+          </a:bodyPr>
+          <a:lstStyle/>
+          <a:p>
+            <a:r>
+              <a:rPr lang="es-ES" sz="4400" b="1" dirty="0">
+                <a:solidFill>
+                  <a:srgbClr val="EF5CE5"/>
+                </a:solidFill>
+              </a:rPr>
+              <a:t>Demo</a:t>
+            </a:r>
+            <a:endParaRPr lang="es-ES" sz="4400" dirty="0">
+              <a:solidFill>
+                <a:srgbClr val="EF5CE5"/>
+              </a:solidFill>
+            </a:endParaRPr>
+          </a:p>
+        </p:txBody>
+      </p:sp>
+      <p:sp>
+        <p:nvSpPr>
+          <p:cNvPr id="4" name="Rectangle 1">
+            <a:extLst>
+              <a:ext uri="{FF2B5EF4-FFF2-40B4-BE49-F238E27FC236}">
+                <a16:creationId xmlns:a16="http://schemas.microsoft.com/office/drawing/2014/main" id="{E8BA1718-D8F1-AEC9-8B0D-A75C4B73320F}"/>
+              </a:ext>
+            </a:extLst>
+          </p:cNvPr>
+          <p:cNvSpPr>
+            <a:spLocks noChangeArrowheads="1"/>
+          </p:cNvSpPr>
+          <p:nvPr/>
+        </p:nvSpPr>
+        <p:spPr bwMode="auto">
+          <a:xfrm>
+            <a:off x="838200" y="2355850"/>
+            <a:ext cx="12192000" cy="0"/>
+          </a:xfrm>
+          <a:prstGeom prst="rect">
+            <a:avLst/>
+          </a:prstGeom>
+          <a:noFill/>
+          <a:ln>
+            <a:noFill/>
+          </a:ln>
+          <a:effectLst/>
+          <a:extLst>
+            <a:ext uri="{909E8E84-426E-40DD-AFC4-6F175D3DCCD1}">
+              <a14:hiddenFill xmlns:a14="http://schemas.microsoft.com/office/drawing/2010/main">
+                <a:solidFill>
+                  <a:schemeClr val="accent1"/>
+                </a:solidFill>
+              </a14:hiddenFill>
+            </a:ext>
+            <a:ext uri="{91240B29-F687-4F45-9708-019B960494DF}">
+              <a14:hiddenLine xmlns:a14="http://schemas.microsoft.com/office/drawing/2010/main" w="9525">
+                <a:solidFill>
+                  <a:schemeClr val="tx1"/>
+                </a:solidFill>
+                <a:miter lim="800000"/>
+                <a:headEnd/>
+                <a:tailEnd/>
+              </a14:hiddenLine>
+            </a:ext>
+            <a:ext uri="{AF507438-7753-43E0-B8FC-AC1667EBCBE1}">
+              <a14:hiddenEffects xmlns:a14="http://schemas.microsoft.com/office/drawing/2010/main">
+                <a:effectLst>
+                  <a:outerShdw dist="35921" dir="2700000" algn="ctr" rotWithShape="0">
+                    <a:schemeClr val="bg2"/>
+                  </a:outerShdw>
+                </a:effectLst>
+              </a14:hiddenEffects>
+            </a:ext>
+          </a:extLst>
+        </p:spPr>
+        <p:txBody>
+          <a:bodyPr vert="horz" wrap="none" lIns="91440" tIns="45720" rIns="91440" bIns="45720" numCol="1" anchor="ctr" anchorCtr="0" compatLnSpc="1">
+            <a:prstTxWarp prst="textNoShape">
+              <a:avLst/>
+            </a:prstTxWarp>
+            <a:spAutoFit/>
+          </a:bodyPr>
+          <a:lstStyle/>
+          <a:p>
+            <a:endParaRPr lang="es-ES"/>
+          </a:p>
+        </p:txBody>
+      </p:sp>
+      <p:pic>
+        <p:nvPicPr>
+          <p:cNvPr id="5" name="Imagen 4" descr="Código QR&#10;&#10;El contenido generado por IA puede ser incorrecto.">
+            <a:extLst>
+              <a:ext uri="{FF2B5EF4-FFF2-40B4-BE49-F238E27FC236}">
+                <a16:creationId xmlns:a16="http://schemas.microsoft.com/office/drawing/2014/main" id="{5DD6540D-9325-73ED-59B5-317F9FF77679}"/>
+              </a:ext>
+            </a:extLst>
+          </p:cNvPr>
+          <p:cNvPicPr>
+            <a:picLocks noChangeAspect="1"/>
+          </p:cNvPicPr>
+          <p:nvPr/>
+        </p:nvPicPr>
+        <p:blipFill>
+          <a:blip r:embed="rId3">
+            <a:extLst>
+              <a:ext uri="{28A0092B-C50C-407E-A947-70E740481C1C}">
+                <a14:useLocalDpi xmlns:a14="http://schemas.microsoft.com/office/drawing/2010/main" val="0"/>
+              </a:ext>
+            </a:extLst>
+          </a:blip>
+          <a:stretch>
+            <a:fillRect/>
+          </a:stretch>
+        </p:blipFill>
+        <p:spPr>
+          <a:xfrm>
+            <a:off x="4448907" y="2090615"/>
+            <a:ext cx="3294186" cy="3294186"/>
+          </a:xfrm>
+          <a:prstGeom prst="rect">
+            <a:avLst/>
+          </a:prstGeom>
+        </p:spPr>
+      </p:pic>
+    </p:spTree>
+    <p:extLst>
+      <p:ext uri="{BB962C8B-B14F-4D97-AF65-F5344CB8AC3E}">
+        <p14:creationId xmlns:p14="http://schemas.microsoft.com/office/powerpoint/2010/main" val="589516536"/>
+      </p:ext>
+    </p:extLst>
+  </p:cSld>
+  <p:clrMapOvr>
+    <a:masterClrMapping/>
+  </p:clrMapOvr>
+</p:sld>
+</file>
+
+<file path=ppt/slides/slide8.xml><?xml version="1.0" encoding="utf-8"?>
+<p:sld xmlns:a="http://schemas.openxmlformats.org/drawingml/2006/main" xmlns:r="http://schemas.openxmlformats.org/officeDocument/2006/relationships" xmlns:p="http://schemas.openxmlformats.org/presentationml/2006/main">
+  <p:cSld>
     <p:spTree>
       <p:nvGrpSpPr>
         <p:cNvPr id="1" name=""/>
